--- a/mcv_tree/tree_densities.pptx
+++ b/mcv_tree/tree_densities.pptx
@@ -259,7 +259,7 @@
           <a:p>
             <a:fld id="{29780605-5D0B-4E80-9003-5CA10AC3F88F}" type="datetimeFigureOut">
               <a:rPr lang="en-US" smtClean="0"/>
-              <a:t>9/25/2020</a:t>
+              <a:t>9/26/2020</a:t>
             </a:fld>
             <a:endParaRPr lang="en-US"/>
           </a:p>
@@ -457,7 +457,7 @@
           <a:p>
             <a:fld id="{29780605-5D0B-4E80-9003-5CA10AC3F88F}" type="datetimeFigureOut">
               <a:rPr lang="en-US" smtClean="0"/>
-              <a:t>9/25/2020</a:t>
+              <a:t>9/26/2020</a:t>
             </a:fld>
             <a:endParaRPr lang="en-US"/>
           </a:p>
@@ -665,7 +665,7 @@
           <a:p>
             <a:fld id="{29780605-5D0B-4E80-9003-5CA10AC3F88F}" type="datetimeFigureOut">
               <a:rPr lang="en-US" smtClean="0"/>
-              <a:t>9/25/2020</a:t>
+              <a:t>9/26/2020</a:t>
             </a:fld>
             <a:endParaRPr lang="en-US"/>
           </a:p>
@@ -863,7 +863,7 @@
           <a:p>
             <a:fld id="{29780605-5D0B-4E80-9003-5CA10AC3F88F}" type="datetimeFigureOut">
               <a:rPr lang="en-US" smtClean="0"/>
-              <a:t>9/25/2020</a:t>
+              <a:t>9/26/2020</a:t>
             </a:fld>
             <a:endParaRPr lang="en-US"/>
           </a:p>
@@ -1138,7 +1138,7 @@
           <a:p>
             <a:fld id="{29780605-5D0B-4E80-9003-5CA10AC3F88F}" type="datetimeFigureOut">
               <a:rPr lang="en-US" smtClean="0"/>
-              <a:t>9/25/2020</a:t>
+              <a:t>9/26/2020</a:t>
             </a:fld>
             <a:endParaRPr lang="en-US"/>
           </a:p>
@@ -1403,7 +1403,7 @@
           <a:p>
             <a:fld id="{29780605-5D0B-4E80-9003-5CA10AC3F88F}" type="datetimeFigureOut">
               <a:rPr lang="en-US" smtClean="0"/>
-              <a:t>9/25/2020</a:t>
+              <a:t>9/26/2020</a:t>
             </a:fld>
             <a:endParaRPr lang="en-US"/>
           </a:p>
@@ -1815,7 +1815,7 @@
           <a:p>
             <a:fld id="{29780605-5D0B-4E80-9003-5CA10AC3F88F}" type="datetimeFigureOut">
               <a:rPr lang="en-US" smtClean="0"/>
-              <a:t>9/25/2020</a:t>
+              <a:t>9/26/2020</a:t>
             </a:fld>
             <a:endParaRPr lang="en-US"/>
           </a:p>
@@ -1956,7 +1956,7 @@
           <a:p>
             <a:fld id="{29780605-5D0B-4E80-9003-5CA10AC3F88F}" type="datetimeFigureOut">
               <a:rPr lang="en-US" smtClean="0"/>
-              <a:t>9/25/2020</a:t>
+              <a:t>9/26/2020</a:t>
             </a:fld>
             <a:endParaRPr lang="en-US"/>
           </a:p>
@@ -2069,7 +2069,7 @@
           <a:p>
             <a:fld id="{29780605-5D0B-4E80-9003-5CA10AC3F88F}" type="datetimeFigureOut">
               <a:rPr lang="en-US" smtClean="0"/>
-              <a:t>9/25/2020</a:t>
+              <a:t>9/26/2020</a:t>
             </a:fld>
             <a:endParaRPr lang="en-US"/>
           </a:p>
@@ -2380,7 +2380,7 @@
           <a:p>
             <a:fld id="{29780605-5D0B-4E80-9003-5CA10AC3F88F}" type="datetimeFigureOut">
               <a:rPr lang="en-US" smtClean="0"/>
-              <a:t>9/25/2020</a:t>
+              <a:t>9/26/2020</a:t>
             </a:fld>
             <a:endParaRPr lang="en-US"/>
           </a:p>
@@ -2668,7 +2668,7 @@
           <a:p>
             <a:fld id="{29780605-5D0B-4E80-9003-5CA10AC3F88F}" type="datetimeFigureOut">
               <a:rPr lang="en-US" smtClean="0"/>
-              <a:t>9/25/2020</a:t>
+              <a:t>9/26/2020</a:t>
             </a:fld>
             <a:endParaRPr lang="en-US"/>
           </a:p>
@@ -2909,7 +2909,7 @@
           <a:p>
             <a:fld id="{29780605-5D0B-4E80-9003-5CA10AC3F88F}" type="datetimeFigureOut">
               <a:rPr lang="en-US" smtClean="0"/>
-              <a:t>9/25/2020</a:t>
+              <a:t>9/26/2020</a:t>
             </a:fld>
             <a:endParaRPr lang="en-US"/>
           </a:p>
@@ -3354,7 +3354,7 @@
         </p:blipFill>
         <p:spPr>
           <a:xfrm>
-            <a:off x="6096000" y="616226"/>
+            <a:off x="6096000" y="1232444"/>
             <a:ext cx="5731558" cy="5625548"/>
           </a:xfrm>
           <a:prstGeom prst="rect">
@@ -3390,7 +3390,7 @@
         </p:blipFill>
         <p:spPr>
           <a:xfrm>
-            <a:off x="59585" y="616226"/>
+            <a:off x="59585" y="1232444"/>
             <a:ext cx="5731558" cy="5625548"/>
           </a:xfrm>
           <a:prstGeom prst="rect">
@@ -3412,7 +3412,7 @@
         </p:nvSpPr>
         <p:spPr>
           <a:xfrm>
-            <a:off x="5098774" y="755374"/>
+            <a:off x="5098774" y="1371592"/>
             <a:ext cx="337930" cy="461665"/>
           </a:xfrm>
           <a:prstGeom prst="rect">
@@ -3447,7 +3447,7 @@
         </p:nvSpPr>
         <p:spPr>
           <a:xfrm>
-            <a:off x="5098774" y="1432942"/>
+            <a:off x="5098774" y="2049160"/>
             <a:ext cx="337930" cy="461665"/>
           </a:xfrm>
           <a:prstGeom prst="rect">
@@ -3482,7 +3482,7 @@
         </p:nvSpPr>
         <p:spPr>
           <a:xfrm>
-            <a:off x="5098774" y="2117136"/>
+            <a:off x="5098774" y="2733354"/>
             <a:ext cx="337930" cy="461665"/>
           </a:xfrm>
           <a:prstGeom prst="rect">
@@ -3517,7 +3517,7 @@
         </p:nvSpPr>
         <p:spPr>
           <a:xfrm>
-            <a:off x="5098774" y="2801330"/>
+            <a:off x="5098774" y="3417548"/>
             <a:ext cx="337930" cy="461665"/>
           </a:xfrm>
           <a:prstGeom prst="rect">
@@ -3552,7 +3552,7 @@
         </p:nvSpPr>
         <p:spPr>
           <a:xfrm>
-            <a:off x="5098774" y="3478898"/>
+            <a:off x="5098774" y="4095116"/>
             <a:ext cx="337930" cy="461665"/>
           </a:xfrm>
           <a:prstGeom prst="rect">
@@ -3587,7 +3587,7 @@
         </p:nvSpPr>
         <p:spPr>
           <a:xfrm>
-            <a:off x="5095463" y="4156466"/>
+            <a:off x="5095463" y="4772684"/>
             <a:ext cx="337930" cy="461665"/>
           </a:xfrm>
           <a:prstGeom prst="rect">
@@ -3622,7 +3622,7 @@
         </p:nvSpPr>
         <p:spPr>
           <a:xfrm>
-            <a:off x="5092149" y="4840660"/>
+            <a:off x="5092149" y="5456878"/>
             <a:ext cx="337930" cy="461665"/>
           </a:xfrm>
           <a:prstGeom prst="rect">
@@ -3657,7 +3657,7 @@
         </p:nvSpPr>
         <p:spPr>
           <a:xfrm>
-            <a:off x="5095462" y="5524854"/>
+            <a:off x="5095462" y="6141072"/>
             <a:ext cx="337930" cy="461665"/>
           </a:xfrm>
           <a:prstGeom prst="rect">
@@ -3692,7 +3692,7 @@
         </p:nvSpPr>
         <p:spPr>
           <a:xfrm>
-            <a:off x="11108636" y="755374"/>
+            <a:off x="11108636" y="1371592"/>
             <a:ext cx="337930" cy="461665"/>
           </a:xfrm>
           <a:prstGeom prst="rect">
@@ -3727,7 +3727,7 @@
         </p:nvSpPr>
         <p:spPr>
           <a:xfrm>
-            <a:off x="11108636" y="1432942"/>
+            <a:off x="11108636" y="2049160"/>
             <a:ext cx="337930" cy="461665"/>
           </a:xfrm>
           <a:prstGeom prst="rect">
@@ -3762,7 +3762,7 @@
         </p:nvSpPr>
         <p:spPr>
           <a:xfrm>
-            <a:off x="11108636" y="2117136"/>
+            <a:off x="11108636" y="2733354"/>
             <a:ext cx="337930" cy="461665"/>
           </a:xfrm>
           <a:prstGeom prst="rect">
@@ -3797,7 +3797,7 @@
         </p:nvSpPr>
         <p:spPr>
           <a:xfrm>
-            <a:off x="11108636" y="2801330"/>
+            <a:off x="11108636" y="3417548"/>
             <a:ext cx="337930" cy="461665"/>
           </a:xfrm>
           <a:prstGeom prst="rect">
@@ -3832,7 +3832,7 @@
         </p:nvSpPr>
         <p:spPr>
           <a:xfrm>
-            <a:off x="11108636" y="3478898"/>
+            <a:off x="11108636" y="4095116"/>
             <a:ext cx="337930" cy="461665"/>
           </a:xfrm>
           <a:prstGeom prst="rect">
@@ -3867,7 +3867,7 @@
         </p:nvSpPr>
         <p:spPr>
           <a:xfrm>
-            <a:off x="11105325" y="4156466"/>
+            <a:off x="11105325" y="4772684"/>
             <a:ext cx="337930" cy="461665"/>
           </a:xfrm>
           <a:prstGeom prst="rect">
@@ -3902,7 +3902,7 @@
         </p:nvSpPr>
         <p:spPr>
           <a:xfrm>
-            <a:off x="11102011" y="4840660"/>
+            <a:off x="11102011" y="5456878"/>
             <a:ext cx="337930" cy="461665"/>
           </a:xfrm>
           <a:prstGeom prst="rect">
@@ -3937,7 +3937,7 @@
         </p:nvSpPr>
         <p:spPr>
           <a:xfrm>
-            <a:off x="11105324" y="5524854"/>
+            <a:off x="11105324" y="6141072"/>
             <a:ext cx="337930" cy="461665"/>
           </a:xfrm>
           <a:prstGeom prst="rect">
@@ -3954,6 +3954,114 @@
             <a:r>
               <a:rPr lang="en-US" sz="2400" b="1" dirty="0"/>
               <a:t>A</a:t>
+            </a:r>
+          </a:p>
+        </p:txBody>
+      </p:sp>
+      <p:sp>
+        <p:nvSpPr>
+          <p:cNvPr id="20" name="TextBox 19">
+            <a:extLst>
+              <a:ext uri="{FF2B5EF4-FFF2-40B4-BE49-F238E27FC236}">
+                <a16:creationId xmlns:a16="http://schemas.microsoft.com/office/drawing/2014/main" id="{2C17AB53-C622-499E-ABC9-03CA10193DF5}"/>
+              </a:ext>
+            </a:extLst>
+          </p:cNvPr>
+          <p:cNvSpPr txBox="1"/>
+          <p:nvPr/>
+        </p:nvSpPr>
+        <p:spPr>
+          <a:xfrm>
+            <a:off x="1593574" y="810535"/>
+            <a:ext cx="2097155" cy="400110"/>
+          </a:xfrm>
+          <a:prstGeom prst="rect">
+            <a:avLst/>
+          </a:prstGeom>
+          <a:noFill/>
+        </p:spPr>
+        <p:txBody>
+          <a:bodyPr wrap="square" rtlCol="0">
+            <a:spAutoFit/>
+          </a:bodyPr>
+          <a:lstStyle/>
+          <a:p>
+            <a:pPr algn="ctr"/>
+            <a:r>
+              <a:rPr lang="en-US" sz="2000" dirty="0"/>
+              <a:t>Coalescent</a:t>
+            </a:r>
+          </a:p>
+        </p:txBody>
+      </p:sp>
+      <p:sp>
+        <p:nvSpPr>
+          <p:cNvPr id="21" name="TextBox 20">
+            <a:extLst>
+              <a:ext uri="{FF2B5EF4-FFF2-40B4-BE49-F238E27FC236}">
+                <a16:creationId xmlns:a16="http://schemas.microsoft.com/office/drawing/2014/main" id="{42500081-DFEA-4F65-961A-399C048B980D}"/>
+              </a:ext>
+            </a:extLst>
+          </p:cNvPr>
+          <p:cNvSpPr txBox="1"/>
+          <p:nvPr/>
+        </p:nvSpPr>
+        <p:spPr>
+          <a:xfrm>
+            <a:off x="8501273" y="810535"/>
+            <a:ext cx="2097155" cy="400110"/>
+          </a:xfrm>
+          <a:prstGeom prst="rect">
+            <a:avLst/>
+          </a:prstGeom>
+          <a:noFill/>
+        </p:spPr>
+        <p:txBody>
+          <a:bodyPr wrap="square" rtlCol="0">
+            <a:spAutoFit/>
+          </a:bodyPr>
+          <a:lstStyle/>
+          <a:p>
+            <a:pPr algn="ctr"/>
+            <a:r>
+              <a:rPr lang="en-US" sz="2000" dirty="0"/>
+              <a:t>MCV Locus</a:t>
+            </a:r>
+          </a:p>
+        </p:txBody>
+      </p:sp>
+      <p:sp>
+        <p:nvSpPr>
+          <p:cNvPr id="22" name="TextBox 21">
+            <a:extLst>
+              <a:ext uri="{FF2B5EF4-FFF2-40B4-BE49-F238E27FC236}">
+                <a16:creationId xmlns:a16="http://schemas.microsoft.com/office/drawing/2014/main" id="{E0CB6F50-2722-4C04-992B-F87F9632CE59}"/>
+              </a:ext>
+            </a:extLst>
+          </p:cNvPr>
+          <p:cNvSpPr txBox="1"/>
+          <p:nvPr/>
+        </p:nvSpPr>
+        <p:spPr>
+          <a:xfrm>
+            <a:off x="4869346" y="225733"/>
+            <a:ext cx="2453308" cy="461665"/>
+          </a:xfrm>
+          <a:prstGeom prst="rect">
+            <a:avLst/>
+          </a:prstGeom>
+          <a:noFill/>
+        </p:spPr>
+        <p:txBody>
+          <a:bodyPr wrap="square" rtlCol="0">
+            <a:spAutoFit/>
+          </a:bodyPr>
+          <a:lstStyle/>
+          <a:p>
+            <a:pPr algn="ctr"/>
+            <a:r>
+              <a:rPr lang="en-US" sz="2400" b="1" dirty="0"/>
+              <a:t>Samples of Trees </a:t>
             </a:r>
           </a:p>
         </p:txBody>
